--- a/ppt 16-9/1468.新年歌.pptx
+++ b/ppt 16-9/1468.新年歌.pptx
@@ -129,7 +129,7 @@
           <p:cNvPr id="2" name="标题 1">
             <a:extLst>
               <a:ext uri="{FF2B5EF4-FFF2-40B4-BE49-F238E27FC236}">
-                <a16:creationId xmlns:a16="http://schemas.microsoft.com/office/drawing/2014/main" id="{ACDFC2E6-5333-D091-69EE-724292FE0BCA}"/>
+                <a16:creationId xmlns:a16="http://schemas.microsoft.com/office/drawing/2014/main" id="{7A615DB4-1A44-988A-A2C3-7DE516716D1C}"/>
               </a:ext>
             </a:extLst>
           </p:cNvPr>
@@ -166,7 +166,7 @@
           <p:cNvPr id="3" name="副标题 2">
             <a:extLst>
               <a:ext uri="{FF2B5EF4-FFF2-40B4-BE49-F238E27FC236}">
-                <a16:creationId xmlns:a16="http://schemas.microsoft.com/office/drawing/2014/main" id="{542D2A9B-8B9C-63B6-7345-4B7DF35F39E2}"/>
+                <a16:creationId xmlns:a16="http://schemas.microsoft.com/office/drawing/2014/main" id="{7041DA88-A603-D76F-6924-1F28BC0BA86F}"/>
               </a:ext>
             </a:extLst>
           </p:cNvPr>
@@ -236,7 +236,7 @@
           <p:cNvPr id="4" name="日期占位符 3">
             <a:extLst>
               <a:ext uri="{FF2B5EF4-FFF2-40B4-BE49-F238E27FC236}">
-                <a16:creationId xmlns:a16="http://schemas.microsoft.com/office/drawing/2014/main" id="{6FD0B4CE-B8AE-2BDF-4D3F-80466A8400E0}"/>
+                <a16:creationId xmlns:a16="http://schemas.microsoft.com/office/drawing/2014/main" id="{C4D8D416-25EE-B7E9-A9C1-89476D197829}"/>
               </a:ext>
             </a:extLst>
           </p:cNvPr>
@@ -252,7 +252,7 @@
           <a:bodyPr/>
           <a:lstStyle/>
           <a:p>
-            <a:fld id="{C0ACE82F-C663-4DF9-AFED-28B9DBC2D6CA}" type="datetimeFigureOut">
+            <a:fld id="{28732171-CD75-4ED8-9A42-3844FC05DA24}" type="datetimeFigureOut">
               <a:rPr lang="zh-CN" altLang="en-US" smtClean="0"/>
               <a:t>2024/3/10</a:t>
             </a:fld>
@@ -265,7 +265,7 @@
           <p:cNvPr id="5" name="页脚占位符 4">
             <a:extLst>
               <a:ext uri="{FF2B5EF4-FFF2-40B4-BE49-F238E27FC236}">
-                <a16:creationId xmlns:a16="http://schemas.microsoft.com/office/drawing/2014/main" id="{E09B8165-0CD9-E896-8069-D7840FBD9BC0}"/>
+                <a16:creationId xmlns:a16="http://schemas.microsoft.com/office/drawing/2014/main" id="{AD798541-C9FB-1A14-1CDF-08CE5BAFDBE3}"/>
               </a:ext>
             </a:extLst>
           </p:cNvPr>
@@ -290,7 +290,7 @@
           <p:cNvPr id="6" name="灯片编号占位符 5">
             <a:extLst>
               <a:ext uri="{FF2B5EF4-FFF2-40B4-BE49-F238E27FC236}">
-                <a16:creationId xmlns:a16="http://schemas.microsoft.com/office/drawing/2014/main" id="{F37326DC-588C-99A3-2B23-E3EEC552C9FA}"/>
+                <a16:creationId xmlns:a16="http://schemas.microsoft.com/office/drawing/2014/main" id="{E06E5CAE-1CA1-F890-A0E6-8AED5593737E}"/>
               </a:ext>
             </a:extLst>
           </p:cNvPr>
@@ -306,7 +306,7 @@
           <a:bodyPr/>
           <a:lstStyle/>
           <a:p>
-            <a:fld id="{145E3861-CD9E-455D-9AF8-C3CD62F7F819}" type="slidenum">
+            <a:fld id="{D530F58C-A1A2-4AE4-B6C6-BAA3B2C9D9A2}" type="slidenum">
               <a:rPr lang="zh-CN" altLang="en-US" smtClean="0"/>
               <a:t>‹#›</a:t>
             </a:fld>
@@ -317,7 +317,7 @@
     </p:spTree>
     <p:extLst>
       <p:ext uri="{BB962C8B-B14F-4D97-AF65-F5344CB8AC3E}">
-        <p14:creationId xmlns:p14="http://schemas.microsoft.com/office/powerpoint/2010/main" val="4008695304"/>
+        <p14:creationId xmlns:p14="http://schemas.microsoft.com/office/powerpoint/2010/main" val="675558827"/>
       </p:ext>
     </p:extLst>
   </p:cSld>
@@ -349,7 +349,7 @@
           <p:cNvPr id="2" name="标题 1">
             <a:extLst>
               <a:ext uri="{FF2B5EF4-FFF2-40B4-BE49-F238E27FC236}">
-                <a16:creationId xmlns:a16="http://schemas.microsoft.com/office/drawing/2014/main" id="{6271BFF5-A27F-8817-D9AF-D9409BC7F7CE}"/>
+                <a16:creationId xmlns:a16="http://schemas.microsoft.com/office/drawing/2014/main" id="{EDB4CF06-D336-7EDF-EB5E-903A5AFE59AA}"/>
               </a:ext>
             </a:extLst>
           </p:cNvPr>
@@ -377,7 +377,7 @@
           <p:cNvPr id="3" name="竖排文字占位符 2">
             <a:extLst>
               <a:ext uri="{FF2B5EF4-FFF2-40B4-BE49-F238E27FC236}">
-                <a16:creationId xmlns:a16="http://schemas.microsoft.com/office/drawing/2014/main" id="{88ED6ADB-3D6B-063B-8696-3096612E24F8}"/>
+                <a16:creationId xmlns:a16="http://schemas.microsoft.com/office/drawing/2014/main" id="{6B278F1A-935E-C873-B1DE-3FCDF8218701}"/>
               </a:ext>
             </a:extLst>
           </p:cNvPr>
@@ -434,7 +434,7 @@
           <p:cNvPr id="4" name="日期占位符 3">
             <a:extLst>
               <a:ext uri="{FF2B5EF4-FFF2-40B4-BE49-F238E27FC236}">
-                <a16:creationId xmlns:a16="http://schemas.microsoft.com/office/drawing/2014/main" id="{A21F4330-D798-95FE-7F95-EDA296F6240B}"/>
+                <a16:creationId xmlns:a16="http://schemas.microsoft.com/office/drawing/2014/main" id="{9AAB03B2-D5A5-DD65-332B-41FC378E5815}"/>
               </a:ext>
             </a:extLst>
           </p:cNvPr>
@@ -450,7 +450,7 @@
           <a:bodyPr/>
           <a:lstStyle/>
           <a:p>
-            <a:fld id="{C0ACE82F-C663-4DF9-AFED-28B9DBC2D6CA}" type="datetimeFigureOut">
+            <a:fld id="{28732171-CD75-4ED8-9A42-3844FC05DA24}" type="datetimeFigureOut">
               <a:rPr lang="zh-CN" altLang="en-US" smtClean="0"/>
               <a:t>2024/3/10</a:t>
             </a:fld>
@@ -463,7 +463,7 @@
           <p:cNvPr id="5" name="页脚占位符 4">
             <a:extLst>
               <a:ext uri="{FF2B5EF4-FFF2-40B4-BE49-F238E27FC236}">
-                <a16:creationId xmlns:a16="http://schemas.microsoft.com/office/drawing/2014/main" id="{032381DE-D033-5415-4A9A-31FD7E974298}"/>
+                <a16:creationId xmlns:a16="http://schemas.microsoft.com/office/drawing/2014/main" id="{9F48F0B9-3B41-0D37-6A31-116F24CB3FAB}"/>
               </a:ext>
             </a:extLst>
           </p:cNvPr>
@@ -488,7 +488,7 @@
           <p:cNvPr id="6" name="灯片编号占位符 5">
             <a:extLst>
               <a:ext uri="{FF2B5EF4-FFF2-40B4-BE49-F238E27FC236}">
-                <a16:creationId xmlns:a16="http://schemas.microsoft.com/office/drawing/2014/main" id="{7FC3862D-E9F7-6367-D422-86C3D1F8EEAA}"/>
+                <a16:creationId xmlns:a16="http://schemas.microsoft.com/office/drawing/2014/main" id="{39191674-298F-BFAF-4CAF-866DE2D3FDCE}"/>
               </a:ext>
             </a:extLst>
           </p:cNvPr>
@@ -504,7 +504,7 @@
           <a:bodyPr/>
           <a:lstStyle/>
           <a:p>
-            <a:fld id="{145E3861-CD9E-455D-9AF8-C3CD62F7F819}" type="slidenum">
+            <a:fld id="{D530F58C-A1A2-4AE4-B6C6-BAA3B2C9D9A2}" type="slidenum">
               <a:rPr lang="zh-CN" altLang="en-US" smtClean="0"/>
               <a:t>‹#›</a:t>
             </a:fld>
@@ -515,7 +515,7 @@
     </p:spTree>
     <p:extLst>
       <p:ext uri="{BB962C8B-B14F-4D97-AF65-F5344CB8AC3E}">
-        <p14:creationId xmlns:p14="http://schemas.microsoft.com/office/powerpoint/2010/main" val="65102960"/>
+        <p14:creationId xmlns:p14="http://schemas.microsoft.com/office/powerpoint/2010/main" val="1142358301"/>
       </p:ext>
     </p:extLst>
   </p:cSld>
@@ -547,7 +547,7 @@
           <p:cNvPr id="2" name="竖排标题 1">
             <a:extLst>
               <a:ext uri="{FF2B5EF4-FFF2-40B4-BE49-F238E27FC236}">
-                <a16:creationId xmlns:a16="http://schemas.microsoft.com/office/drawing/2014/main" id="{9C816C9D-85F0-1F46-419A-9496E67417E8}"/>
+                <a16:creationId xmlns:a16="http://schemas.microsoft.com/office/drawing/2014/main" id="{C1B18E51-5699-DE9F-DBCC-463F49976554}"/>
               </a:ext>
             </a:extLst>
           </p:cNvPr>
@@ -580,7 +580,7 @@
           <p:cNvPr id="3" name="竖排文字占位符 2">
             <a:extLst>
               <a:ext uri="{FF2B5EF4-FFF2-40B4-BE49-F238E27FC236}">
-                <a16:creationId xmlns:a16="http://schemas.microsoft.com/office/drawing/2014/main" id="{73799B94-0CB4-9B12-DCD9-0FD799D7B075}"/>
+                <a16:creationId xmlns:a16="http://schemas.microsoft.com/office/drawing/2014/main" id="{E49825BE-D40C-84DE-B660-B62D66FB51FA}"/>
               </a:ext>
             </a:extLst>
           </p:cNvPr>
@@ -642,7 +642,7 @@
           <p:cNvPr id="4" name="日期占位符 3">
             <a:extLst>
               <a:ext uri="{FF2B5EF4-FFF2-40B4-BE49-F238E27FC236}">
-                <a16:creationId xmlns:a16="http://schemas.microsoft.com/office/drawing/2014/main" id="{67CCA80C-7D87-C847-0EBE-716ADEA8C661}"/>
+                <a16:creationId xmlns:a16="http://schemas.microsoft.com/office/drawing/2014/main" id="{5DB7EB7E-2698-B38B-83F3-7391B9D84C04}"/>
               </a:ext>
             </a:extLst>
           </p:cNvPr>
@@ -658,7 +658,7 @@
           <a:bodyPr/>
           <a:lstStyle/>
           <a:p>
-            <a:fld id="{C0ACE82F-C663-4DF9-AFED-28B9DBC2D6CA}" type="datetimeFigureOut">
+            <a:fld id="{28732171-CD75-4ED8-9A42-3844FC05DA24}" type="datetimeFigureOut">
               <a:rPr lang="zh-CN" altLang="en-US" smtClean="0"/>
               <a:t>2024/3/10</a:t>
             </a:fld>
@@ -671,7 +671,7 @@
           <p:cNvPr id="5" name="页脚占位符 4">
             <a:extLst>
               <a:ext uri="{FF2B5EF4-FFF2-40B4-BE49-F238E27FC236}">
-                <a16:creationId xmlns:a16="http://schemas.microsoft.com/office/drawing/2014/main" id="{B5D14BC4-A374-C7AC-07CD-9D02AA19CA14}"/>
+                <a16:creationId xmlns:a16="http://schemas.microsoft.com/office/drawing/2014/main" id="{1264E3D8-16F4-1037-1B25-4A26B39423C3}"/>
               </a:ext>
             </a:extLst>
           </p:cNvPr>
@@ -696,7 +696,7 @@
           <p:cNvPr id="6" name="灯片编号占位符 5">
             <a:extLst>
               <a:ext uri="{FF2B5EF4-FFF2-40B4-BE49-F238E27FC236}">
-                <a16:creationId xmlns:a16="http://schemas.microsoft.com/office/drawing/2014/main" id="{371F87F0-8BF2-419C-FDCB-CCF1CEB85DC2}"/>
+                <a16:creationId xmlns:a16="http://schemas.microsoft.com/office/drawing/2014/main" id="{BCD52EA8-944A-5670-B3B4-DDAE41C3A5A3}"/>
               </a:ext>
             </a:extLst>
           </p:cNvPr>
@@ -712,7 +712,7 @@
           <a:bodyPr/>
           <a:lstStyle/>
           <a:p>
-            <a:fld id="{145E3861-CD9E-455D-9AF8-C3CD62F7F819}" type="slidenum">
+            <a:fld id="{D530F58C-A1A2-4AE4-B6C6-BAA3B2C9D9A2}" type="slidenum">
               <a:rPr lang="zh-CN" altLang="en-US" smtClean="0"/>
               <a:t>‹#›</a:t>
             </a:fld>
@@ -723,7 +723,7 @@
     </p:spTree>
     <p:extLst>
       <p:ext uri="{BB962C8B-B14F-4D97-AF65-F5344CB8AC3E}">
-        <p14:creationId xmlns:p14="http://schemas.microsoft.com/office/powerpoint/2010/main" val="4280716208"/>
+        <p14:creationId xmlns:p14="http://schemas.microsoft.com/office/powerpoint/2010/main" val="3949243873"/>
       </p:ext>
     </p:extLst>
   </p:cSld>
@@ -755,7 +755,7 @@
           <p:cNvPr id="2" name="标题 1">
             <a:extLst>
               <a:ext uri="{FF2B5EF4-FFF2-40B4-BE49-F238E27FC236}">
-                <a16:creationId xmlns:a16="http://schemas.microsoft.com/office/drawing/2014/main" id="{78D278AB-AE87-AC37-641B-A5B3EE517DE3}"/>
+                <a16:creationId xmlns:a16="http://schemas.microsoft.com/office/drawing/2014/main" id="{8F2DA8C7-1B55-2695-6ED9-877AB5F8A11D}"/>
               </a:ext>
             </a:extLst>
           </p:cNvPr>
@@ -783,7 +783,7 @@
           <p:cNvPr id="3" name="内容占位符 2">
             <a:extLst>
               <a:ext uri="{FF2B5EF4-FFF2-40B4-BE49-F238E27FC236}">
-                <a16:creationId xmlns:a16="http://schemas.microsoft.com/office/drawing/2014/main" id="{93E57760-BE64-2A2F-7E06-EE31C7EBD074}"/>
+                <a16:creationId xmlns:a16="http://schemas.microsoft.com/office/drawing/2014/main" id="{4A50538A-1C05-67F3-696E-A3F03410EFF6}"/>
               </a:ext>
             </a:extLst>
           </p:cNvPr>
@@ -840,7 +840,7 @@
           <p:cNvPr id="4" name="日期占位符 3">
             <a:extLst>
               <a:ext uri="{FF2B5EF4-FFF2-40B4-BE49-F238E27FC236}">
-                <a16:creationId xmlns:a16="http://schemas.microsoft.com/office/drawing/2014/main" id="{B1CE4255-9236-2D36-3B25-1A9C6A09A206}"/>
+                <a16:creationId xmlns:a16="http://schemas.microsoft.com/office/drawing/2014/main" id="{104DD4F0-47A2-62F2-AA95-BE2B34FD7888}"/>
               </a:ext>
             </a:extLst>
           </p:cNvPr>
@@ -856,7 +856,7 @@
           <a:bodyPr/>
           <a:lstStyle/>
           <a:p>
-            <a:fld id="{C0ACE82F-C663-4DF9-AFED-28B9DBC2D6CA}" type="datetimeFigureOut">
+            <a:fld id="{28732171-CD75-4ED8-9A42-3844FC05DA24}" type="datetimeFigureOut">
               <a:rPr lang="zh-CN" altLang="en-US" smtClean="0"/>
               <a:t>2024/3/10</a:t>
             </a:fld>
@@ -869,7 +869,7 @@
           <p:cNvPr id="5" name="页脚占位符 4">
             <a:extLst>
               <a:ext uri="{FF2B5EF4-FFF2-40B4-BE49-F238E27FC236}">
-                <a16:creationId xmlns:a16="http://schemas.microsoft.com/office/drawing/2014/main" id="{26018EA8-BDB5-E81F-5B5C-401C1A3C3DA9}"/>
+                <a16:creationId xmlns:a16="http://schemas.microsoft.com/office/drawing/2014/main" id="{5E1D54D9-FBC3-5F71-C393-8D011968B31A}"/>
               </a:ext>
             </a:extLst>
           </p:cNvPr>
@@ -894,7 +894,7 @@
           <p:cNvPr id="6" name="灯片编号占位符 5">
             <a:extLst>
               <a:ext uri="{FF2B5EF4-FFF2-40B4-BE49-F238E27FC236}">
-                <a16:creationId xmlns:a16="http://schemas.microsoft.com/office/drawing/2014/main" id="{0EAF3562-AD64-10FD-CF0B-B41080935FFE}"/>
+                <a16:creationId xmlns:a16="http://schemas.microsoft.com/office/drawing/2014/main" id="{BB85A669-6D61-F04E-A50F-072020D6A384}"/>
               </a:ext>
             </a:extLst>
           </p:cNvPr>
@@ -910,7 +910,7 @@
           <a:bodyPr/>
           <a:lstStyle/>
           <a:p>
-            <a:fld id="{145E3861-CD9E-455D-9AF8-C3CD62F7F819}" type="slidenum">
+            <a:fld id="{D530F58C-A1A2-4AE4-B6C6-BAA3B2C9D9A2}" type="slidenum">
               <a:rPr lang="zh-CN" altLang="en-US" smtClean="0"/>
               <a:t>‹#›</a:t>
             </a:fld>
@@ -921,7 +921,7 @@
     </p:spTree>
     <p:extLst>
       <p:ext uri="{BB962C8B-B14F-4D97-AF65-F5344CB8AC3E}">
-        <p14:creationId xmlns:p14="http://schemas.microsoft.com/office/powerpoint/2010/main" val="1555894036"/>
+        <p14:creationId xmlns:p14="http://schemas.microsoft.com/office/powerpoint/2010/main" val="931838627"/>
       </p:ext>
     </p:extLst>
   </p:cSld>
@@ -953,7 +953,7 @@
           <p:cNvPr id="2" name="标题 1">
             <a:extLst>
               <a:ext uri="{FF2B5EF4-FFF2-40B4-BE49-F238E27FC236}">
-                <a16:creationId xmlns:a16="http://schemas.microsoft.com/office/drawing/2014/main" id="{A260AE21-7088-F4FA-49BC-98AA1C182753}"/>
+                <a16:creationId xmlns:a16="http://schemas.microsoft.com/office/drawing/2014/main" id="{385109B4-633D-9D6D-877A-528A8B3CEE6B}"/>
               </a:ext>
             </a:extLst>
           </p:cNvPr>
@@ -990,7 +990,7 @@
           <p:cNvPr id="3" name="文本占位符 2">
             <a:extLst>
               <a:ext uri="{FF2B5EF4-FFF2-40B4-BE49-F238E27FC236}">
-                <a16:creationId xmlns:a16="http://schemas.microsoft.com/office/drawing/2014/main" id="{CD0D4BA1-2415-5544-E4D0-0A462F203511}"/>
+                <a16:creationId xmlns:a16="http://schemas.microsoft.com/office/drawing/2014/main" id="{B645D58B-7EFF-BEC0-3603-33BC5C7C4F37}"/>
               </a:ext>
             </a:extLst>
           </p:cNvPr>
@@ -1115,7 +1115,7 @@
           <p:cNvPr id="4" name="日期占位符 3">
             <a:extLst>
               <a:ext uri="{FF2B5EF4-FFF2-40B4-BE49-F238E27FC236}">
-                <a16:creationId xmlns:a16="http://schemas.microsoft.com/office/drawing/2014/main" id="{7F347E8F-EF15-2C2E-7AF5-6846A42252C1}"/>
+                <a16:creationId xmlns:a16="http://schemas.microsoft.com/office/drawing/2014/main" id="{AEE95BE8-F677-CEBD-4AB9-367D829E2B15}"/>
               </a:ext>
             </a:extLst>
           </p:cNvPr>
@@ -1131,7 +1131,7 @@
           <a:bodyPr/>
           <a:lstStyle/>
           <a:p>
-            <a:fld id="{C0ACE82F-C663-4DF9-AFED-28B9DBC2D6CA}" type="datetimeFigureOut">
+            <a:fld id="{28732171-CD75-4ED8-9A42-3844FC05DA24}" type="datetimeFigureOut">
               <a:rPr lang="zh-CN" altLang="en-US" smtClean="0"/>
               <a:t>2024/3/10</a:t>
             </a:fld>
@@ -1144,7 +1144,7 @@
           <p:cNvPr id="5" name="页脚占位符 4">
             <a:extLst>
               <a:ext uri="{FF2B5EF4-FFF2-40B4-BE49-F238E27FC236}">
-                <a16:creationId xmlns:a16="http://schemas.microsoft.com/office/drawing/2014/main" id="{B1F5AB35-6385-2FBD-BEA0-39470F0A0DCE}"/>
+                <a16:creationId xmlns:a16="http://schemas.microsoft.com/office/drawing/2014/main" id="{8F463913-752C-CBA9-BBDE-484CEBBEDCA0}"/>
               </a:ext>
             </a:extLst>
           </p:cNvPr>
@@ -1169,7 +1169,7 @@
           <p:cNvPr id="6" name="灯片编号占位符 5">
             <a:extLst>
               <a:ext uri="{FF2B5EF4-FFF2-40B4-BE49-F238E27FC236}">
-                <a16:creationId xmlns:a16="http://schemas.microsoft.com/office/drawing/2014/main" id="{FCC57C4F-5711-3CC8-7175-C1D3DC613CE9}"/>
+                <a16:creationId xmlns:a16="http://schemas.microsoft.com/office/drawing/2014/main" id="{D9A3E419-E4B4-410E-8E6E-08D8F05BB913}"/>
               </a:ext>
             </a:extLst>
           </p:cNvPr>
@@ -1185,7 +1185,7 @@
           <a:bodyPr/>
           <a:lstStyle/>
           <a:p>
-            <a:fld id="{145E3861-CD9E-455D-9AF8-C3CD62F7F819}" type="slidenum">
+            <a:fld id="{D530F58C-A1A2-4AE4-B6C6-BAA3B2C9D9A2}" type="slidenum">
               <a:rPr lang="zh-CN" altLang="en-US" smtClean="0"/>
               <a:t>‹#›</a:t>
             </a:fld>
@@ -1196,7 +1196,7 @@
     </p:spTree>
     <p:extLst>
       <p:ext uri="{BB962C8B-B14F-4D97-AF65-F5344CB8AC3E}">
-        <p14:creationId xmlns:p14="http://schemas.microsoft.com/office/powerpoint/2010/main" val="1743615265"/>
+        <p14:creationId xmlns:p14="http://schemas.microsoft.com/office/powerpoint/2010/main" val="2278591410"/>
       </p:ext>
     </p:extLst>
   </p:cSld>
@@ -1228,7 +1228,7 @@
           <p:cNvPr id="2" name="标题 1">
             <a:extLst>
               <a:ext uri="{FF2B5EF4-FFF2-40B4-BE49-F238E27FC236}">
-                <a16:creationId xmlns:a16="http://schemas.microsoft.com/office/drawing/2014/main" id="{D0B8D664-E63E-A082-E69F-92A79018CFFF}"/>
+                <a16:creationId xmlns:a16="http://schemas.microsoft.com/office/drawing/2014/main" id="{CC441EB4-5A26-B5BF-D32A-29B0B2281080}"/>
               </a:ext>
             </a:extLst>
           </p:cNvPr>
@@ -1256,7 +1256,7 @@
           <p:cNvPr id="3" name="内容占位符 2">
             <a:extLst>
               <a:ext uri="{FF2B5EF4-FFF2-40B4-BE49-F238E27FC236}">
-                <a16:creationId xmlns:a16="http://schemas.microsoft.com/office/drawing/2014/main" id="{29F49095-15CE-D5F0-F817-3B0C3484F115}"/>
+                <a16:creationId xmlns:a16="http://schemas.microsoft.com/office/drawing/2014/main" id="{58289583-8FE5-1858-BD89-F30F5C483D8C}"/>
               </a:ext>
             </a:extLst>
           </p:cNvPr>
@@ -1318,7 +1318,7 @@
           <p:cNvPr id="4" name="内容占位符 3">
             <a:extLst>
               <a:ext uri="{FF2B5EF4-FFF2-40B4-BE49-F238E27FC236}">
-                <a16:creationId xmlns:a16="http://schemas.microsoft.com/office/drawing/2014/main" id="{37E1ED29-C7FE-14B8-29A8-DB1513362C75}"/>
+                <a16:creationId xmlns:a16="http://schemas.microsoft.com/office/drawing/2014/main" id="{4B856B46-D0C7-BEFB-BF42-DB78BDC11AD3}"/>
               </a:ext>
             </a:extLst>
           </p:cNvPr>
@@ -1380,7 +1380,7 @@
           <p:cNvPr id="5" name="日期占位符 4">
             <a:extLst>
               <a:ext uri="{FF2B5EF4-FFF2-40B4-BE49-F238E27FC236}">
-                <a16:creationId xmlns:a16="http://schemas.microsoft.com/office/drawing/2014/main" id="{5F8EF2C6-ABD1-CBFE-92BA-3B9208BD9589}"/>
+                <a16:creationId xmlns:a16="http://schemas.microsoft.com/office/drawing/2014/main" id="{06229BA4-A692-8A24-D8EC-6365979C051F}"/>
               </a:ext>
             </a:extLst>
           </p:cNvPr>
@@ -1396,7 +1396,7 @@
           <a:bodyPr/>
           <a:lstStyle/>
           <a:p>
-            <a:fld id="{C0ACE82F-C663-4DF9-AFED-28B9DBC2D6CA}" type="datetimeFigureOut">
+            <a:fld id="{28732171-CD75-4ED8-9A42-3844FC05DA24}" type="datetimeFigureOut">
               <a:rPr lang="zh-CN" altLang="en-US" smtClean="0"/>
               <a:t>2024/3/10</a:t>
             </a:fld>
@@ -1409,7 +1409,7 @@
           <p:cNvPr id="6" name="页脚占位符 5">
             <a:extLst>
               <a:ext uri="{FF2B5EF4-FFF2-40B4-BE49-F238E27FC236}">
-                <a16:creationId xmlns:a16="http://schemas.microsoft.com/office/drawing/2014/main" id="{9A43BA22-2B6A-38CB-F28F-1D9B7176F057}"/>
+                <a16:creationId xmlns:a16="http://schemas.microsoft.com/office/drawing/2014/main" id="{00046631-766D-8118-0AE8-23E9B338464C}"/>
               </a:ext>
             </a:extLst>
           </p:cNvPr>
@@ -1434,7 +1434,7 @@
           <p:cNvPr id="7" name="灯片编号占位符 6">
             <a:extLst>
               <a:ext uri="{FF2B5EF4-FFF2-40B4-BE49-F238E27FC236}">
-                <a16:creationId xmlns:a16="http://schemas.microsoft.com/office/drawing/2014/main" id="{BC394DE9-2C8A-1544-274F-B270193EF8CA}"/>
+                <a16:creationId xmlns:a16="http://schemas.microsoft.com/office/drawing/2014/main" id="{FFBC072C-E3FB-E721-F459-DCC2A4224394}"/>
               </a:ext>
             </a:extLst>
           </p:cNvPr>
@@ -1450,7 +1450,7 @@
           <a:bodyPr/>
           <a:lstStyle/>
           <a:p>
-            <a:fld id="{145E3861-CD9E-455D-9AF8-C3CD62F7F819}" type="slidenum">
+            <a:fld id="{D530F58C-A1A2-4AE4-B6C6-BAA3B2C9D9A2}" type="slidenum">
               <a:rPr lang="zh-CN" altLang="en-US" smtClean="0"/>
               <a:t>‹#›</a:t>
             </a:fld>
@@ -1461,7 +1461,7 @@
     </p:spTree>
     <p:extLst>
       <p:ext uri="{BB962C8B-B14F-4D97-AF65-F5344CB8AC3E}">
-        <p14:creationId xmlns:p14="http://schemas.microsoft.com/office/powerpoint/2010/main" val="3629064113"/>
+        <p14:creationId xmlns:p14="http://schemas.microsoft.com/office/powerpoint/2010/main" val="4228571126"/>
       </p:ext>
     </p:extLst>
   </p:cSld>
@@ -1493,7 +1493,7 @@
           <p:cNvPr id="2" name="标题 1">
             <a:extLst>
               <a:ext uri="{FF2B5EF4-FFF2-40B4-BE49-F238E27FC236}">
-                <a16:creationId xmlns:a16="http://schemas.microsoft.com/office/drawing/2014/main" id="{AF2AE6E5-1D0A-4D5A-FB8A-5E64A962C52F}"/>
+                <a16:creationId xmlns:a16="http://schemas.microsoft.com/office/drawing/2014/main" id="{31D3DD7F-C55B-2542-6D09-9A05F6F27B87}"/>
               </a:ext>
             </a:extLst>
           </p:cNvPr>
@@ -1526,7 +1526,7 @@
           <p:cNvPr id="3" name="文本占位符 2">
             <a:extLst>
               <a:ext uri="{FF2B5EF4-FFF2-40B4-BE49-F238E27FC236}">
-                <a16:creationId xmlns:a16="http://schemas.microsoft.com/office/drawing/2014/main" id="{E4E8879E-A4C3-D8A3-42BC-C81D64C5086B}"/>
+                <a16:creationId xmlns:a16="http://schemas.microsoft.com/office/drawing/2014/main" id="{917A5C77-B45C-BD7F-C6AF-AFAC9E610505}"/>
               </a:ext>
             </a:extLst>
           </p:cNvPr>
@@ -1597,7 +1597,7 @@
           <p:cNvPr id="4" name="内容占位符 3">
             <a:extLst>
               <a:ext uri="{FF2B5EF4-FFF2-40B4-BE49-F238E27FC236}">
-                <a16:creationId xmlns:a16="http://schemas.microsoft.com/office/drawing/2014/main" id="{15533898-3C31-DDFF-B450-50C2F3BE7A6E}"/>
+                <a16:creationId xmlns:a16="http://schemas.microsoft.com/office/drawing/2014/main" id="{69B77C00-4DED-DC42-FEC8-133A67F87644}"/>
               </a:ext>
             </a:extLst>
           </p:cNvPr>
@@ -1659,7 +1659,7 @@
           <p:cNvPr id="5" name="文本占位符 4">
             <a:extLst>
               <a:ext uri="{FF2B5EF4-FFF2-40B4-BE49-F238E27FC236}">
-                <a16:creationId xmlns:a16="http://schemas.microsoft.com/office/drawing/2014/main" id="{BF88CF03-9FDB-B10A-C7D0-4DF01F03FFB4}"/>
+                <a16:creationId xmlns:a16="http://schemas.microsoft.com/office/drawing/2014/main" id="{76C460F4-F40C-71B5-F048-81D35438379D}"/>
               </a:ext>
             </a:extLst>
           </p:cNvPr>
@@ -1730,7 +1730,7 @@
           <p:cNvPr id="6" name="内容占位符 5">
             <a:extLst>
               <a:ext uri="{FF2B5EF4-FFF2-40B4-BE49-F238E27FC236}">
-                <a16:creationId xmlns:a16="http://schemas.microsoft.com/office/drawing/2014/main" id="{B5E7652C-3159-103C-2C3A-C0656ED2F4E7}"/>
+                <a16:creationId xmlns:a16="http://schemas.microsoft.com/office/drawing/2014/main" id="{C5C9278A-3809-2CD1-4163-F2D85190F182}"/>
               </a:ext>
             </a:extLst>
           </p:cNvPr>
@@ -1792,7 +1792,7 @@
           <p:cNvPr id="7" name="日期占位符 6">
             <a:extLst>
               <a:ext uri="{FF2B5EF4-FFF2-40B4-BE49-F238E27FC236}">
-                <a16:creationId xmlns:a16="http://schemas.microsoft.com/office/drawing/2014/main" id="{45C3ED68-161C-D6A9-E7DA-A64F3F0E73CB}"/>
+                <a16:creationId xmlns:a16="http://schemas.microsoft.com/office/drawing/2014/main" id="{92A03FEE-FE19-F528-C4B8-422B0FD81327}"/>
               </a:ext>
             </a:extLst>
           </p:cNvPr>
@@ -1808,7 +1808,7 @@
           <a:bodyPr/>
           <a:lstStyle/>
           <a:p>
-            <a:fld id="{C0ACE82F-C663-4DF9-AFED-28B9DBC2D6CA}" type="datetimeFigureOut">
+            <a:fld id="{28732171-CD75-4ED8-9A42-3844FC05DA24}" type="datetimeFigureOut">
               <a:rPr lang="zh-CN" altLang="en-US" smtClean="0"/>
               <a:t>2024/3/10</a:t>
             </a:fld>
@@ -1821,7 +1821,7 @@
           <p:cNvPr id="8" name="页脚占位符 7">
             <a:extLst>
               <a:ext uri="{FF2B5EF4-FFF2-40B4-BE49-F238E27FC236}">
-                <a16:creationId xmlns:a16="http://schemas.microsoft.com/office/drawing/2014/main" id="{8F269190-AB81-6AE4-308E-ED356841BBA1}"/>
+                <a16:creationId xmlns:a16="http://schemas.microsoft.com/office/drawing/2014/main" id="{4CC4F378-6833-2391-8AFB-6FC86C964F85}"/>
               </a:ext>
             </a:extLst>
           </p:cNvPr>
@@ -1846,7 +1846,7 @@
           <p:cNvPr id="9" name="灯片编号占位符 8">
             <a:extLst>
               <a:ext uri="{FF2B5EF4-FFF2-40B4-BE49-F238E27FC236}">
-                <a16:creationId xmlns:a16="http://schemas.microsoft.com/office/drawing/2014/main" id="{3AA2EA61-1123-C420-3808-92B83BE7C391}"/>
+                <a16:creationId xmlns:a16="http://schemas.microsoft.com/office/drawing/2014/main" id="{C437A5D5-D33A-C5E4-7724-C83693EEF129}"/>
               </a:ext>
             </a:extLst>
           </p:cNvPr>
@@ -1862,7 +1862,7 @@
           <a:bodyPr/>
           <a:lstStyle/>
           <a:p>
-            <a:fld id="{145E3861-CD9E-455D-9AF8-C3CD62F7F819}" type="slidenum">
+            <a:fld id="{D530F58C-A1A2-4AE4-B6C6-BAA3B2C9D9A2}" type="slidenum">
               <a:rPr lang="zh-CN" altLang="en-US" smtClean="0"/>
               <a:t>‹#›</a:t>
             </a:fld>
@@ -1873,7 +1873,7 @@
     </p:spTree>
     <p:extLst>
       <p:ext uri="{BB962C8B-B14F-4D97-AF65-F5344CB8AC3E}">
-        <p14:creationId xmlns:p14="http://schemas.microsoft.com/office/powerpoint/2010/main" val="4289968188"/>
+        <p14:creationId xmlns:p14="http://schemas.microsoft.com/office/powerpoint/2010/main" val="1816201543"/>
       </p:ext>
     </p:extLst>
   </p:cSld>
@@ -1905,7 +1905,7 @@
           <p:cNvPr id="2" name="标题 1">
             <a:extLst>
               <a:ext uri="{FF2B5EF4-FFF2-40B4-BE49-F238E27FC236}">
-                <a16:creationId xmlns:a16="http://schemas.microsoft.com/office/drawing/2014/main" id="{AEF90FB6-D22B-9F4C-9D2D-7FD02F787AEF}"/>
+                <a16:creationId xmlns:a16="http://schemas.microsoft.com/office/drawing/2014/main" id="{FD94E2AE-2D34-95B6-BD84-B279BA3097F1}"/>
               </a:ext>
             </a:extLst>
           </p:cNvPr>
@@ -1933,7 +1933,7 @@
           <p:cNvPr id="3" name="日期占位符 2">
             <a:extLst>
               <a:ext uri="{FF2B5EF4-FFF2-40B4-BE49-F238E27FC236}">
-                <a16:creationId xmlns:a16="http://schemas.microsoft.com/office/drawing/2014/main" id="{3A5DEF6D-0B17-F14E-6476-04F86DDEE00D}"/>
+                <a16:creationId xmlns:a16="http://schemas.microsoft.com/office/drawing/2014/main" id="{3D771E2E-AA34-AD26-9B19-36F9CFC2B641}"/>
               </a:ext>
             </a:extLst>
           </p:cNvPr>
@@ -1949,7 +1949,7 @@
           <a:bodyPr/>
           <a:lstStyle/>
           <a:p>
-            <a:fld id="{C0ACE82F-C663-4DF9-AFED-28B9DBC2D6CA}" type="datetimeFigureOut">
+            <a:fld id="{28732171-CD75-4ED8-9A42-3844FC05DA24}" type="datetimeFigureOut">
               <a:rPr lang="zh-CN" altLang="en-US" smtClean="0"/>
               <a:t>2024/3/10</a:t>
             </a:fld>
@@ -1962,7 +1962,7 @@
           <p:cNvPr id="4" name="页脚占位符 3">
             <a:extLst>
               <a:ext uri="{FF2B5EF4-FFF2-40B4-BE49-F238E27FC236}">
-                <a16:creationId xmlns:a16="http://schemas.microsoft.com/office/drawing/2014/main" id="{A3C9A947-05BB-83B6-8991-25362541F7E5}"/>
+                <a16:creationId xmlns:a16="http://schemas.microsoft.com/office/drawing/2014/main" id="{6FF6FB4B-5262-6FD1-C9EE-041C9C11DA50}"/>
               </a:ext>
             </a:extLst>
           </p:cNvPr>
@@ -1987,7 +1987,7 @@
           <p:cNvPr id="5" name="灯片编号占位符 4">
             <a:extLst>
               <a:ext uri="{FF2B5EF4-FFF2-40B4-BE49-F238E27FC236}">
-                <a16:creationId xmlns:a16="http://schemas.microsoft.com/office/drawing/2014/main" id="{93F8F890-1931-6D2F-3363-90646F134E46}"/>
+                <a16:creationId xmlns:a16="http://schemas.microsoft.com/office/drawing/2014/main" id="{E77ED062-BCE0-E83F-01F5-D2BB940666D6}"/>
               </a:ext>
             </a:extLst>
           </p:cNvPr>
@@ -2003,7 +2003,7 @@
           <a:bodyPr/>
           <a:lstStyle/>
           <a:p>
-            <a:fld id="{145E3861-CD9E-455D-9AF8-C3CD62F7F819}" type="slidenum">
+            <a:fld id="{D530F58C-A1A2-4AE4-B6C6-BAA3B2C9D9A2}" type="slidenum">
               <a:rPr lang="zh-CN" altLang="en-US" smtClean="0"/>
               <a:t>‹#›</a:t>
             </a:fld>
@@ -2014,7 +2014,7 @@
     </p:spTree>
     <p:extLst>
       <p:ext uri="{BB962C8B-B14F-4D97-AF65-F5344CB8AC3E}">
-        <p14:creationId xmlns:p14="http://schemas.microsoft.com/office/powerpoint/2010/main" val="2862800216"/>
+        <p14:creationId xmlns:p14="http://schemas.microsoft.com/office/powerpoint/2010/main" val="359962221"/>
       </p:ext>
     </p:extLst>
   </p:cSld>
@@ -2046,7 +2046,7 @@
           <p:cNvPr id="2" name="日期占位符 1">
             <a:extLst>
               <a:ext uri="{FF2B5EF4-FFF2-40B4-BE49-F238E27FC236}">
-                <a16:creationId xmlns:a16="http://schemas.microsoft.com/office/drawing/2014/main" id="{37AC01B6-B074-8AF9-0326-8E87EC356D72}"/>
+                <a16:creationId xmlns:a16="http://schemas.microsoft.com/office/drawing/2014/main" id="{AD5C9BD2-E1C4-FC29-DBAC-8C364E4C6E03}"/>
               </a:ext>
             </a:extLst>
           </p:cNvPr>
@@ -2062,7 +2062,7 @@
           <a:bodyPr/>
           <a:lstStyle/>
           <a:p>
-            <a:fld id="{C0ACE82F-C663-4DF9-AFED-28B9DBC2D6CA}" type="datetimeFigureOut">
+            <a:fld id="{28732171-CD75-4ED8-9A42-3844FC05DA24}" type="datetimeFigureOut">
               <a:rPr lang="zh-CN" altLang="en-US" smtClean="0"/>
               <a:t>2024/3/10</a:t>
             </a:fld>
@@ -2075,7 +2075,7 @@
           <p:cNvPr id="3" name="页脚占位符 2">
             <a:extLst>
               <a:ext uri="{FF2B5EF4-FFF2-40B4-BE49-F238E27FC236}">
-                <a16:creationId xmlns:a16="http://schemas.microsoft.com/office/drawing/2014/main" id="{E16A7186-FC83-F42E-4CF7-93788D10DA85}"/>
+                <a16:creationId xmlns:a16="http://schemas.microsoft.com/office/drawing/2014/main" id="{AAFBFB8C-0411-79CD-3B2A-DA8BF660D196}"/>
               </a:ext>
             </a:extLst>
           </p:cNvPr>
@@ -2100,7 +2100,7 @@
           <p:cNvPr id="4" name="灯片编号占位符 3">
             <a:extLst>
               <a:ext uri="{FF2B5EF4-FFF2-40B4-BE49-F238E27FC236}">
-                <a16:creationId xmlns:a16="http://schemas.microsoft.com/office/drawing/2014/main" id="{21714882-AA79-8EAD-7675-AA86D73D675C}"/>
+                <a16:creationId xmlns:a16="http://schemas.microsoft.com/office/drawing/2014/main" id="{3F6090A7-2991-796D-6B17-E309317F88B4}"/>
               </a:ext>
             </a:extLst>
           </p:cNvPr>
@@ -2116,7 +2116,7 @@
           <a:bodyPr/>
           <a:lstStyle/>
           <a:p>
-            <a:fld id="{145E3861-CD9E-455D-9AF8-C3CD62F7F819}" type="slidenum">
+            <a:fld id="{D530F58C-A1A2-4AE4-B6C6-BAA3B2C9D9A2}" type="slidenum">
               <a:rPr lang="zh-CN" altLang="en-US" smtClean="0"/>
               <a:t>‹#›</a:t>
             </a:fld>
@@ -2127,7 +2127,7 @@
     </p:spTree>
     <p:extLst>
       <p:ext uri="{BB962C8B-B14F-4D97-AF65-F5344CB8AC3E}">
-        <p14:creationId xmlns:p14="http://schemas.microsoft.com/office/powerpoint/2010/main" val="1623743371"/>
+        <p14:creationId xmlns:p14="http://schemas.microsoft.com/office/powerpoint/2010/main" val="3279662480"/>
       </p:ext>
     </p:extLst>
   </p:cSld>
@@ -2159,7 +2159,7 @@
           <p:cNvPr id="2" name="标题 1">
             <a:extLst>
               <a:ext uri="{FF2B5EF4-FFF2-40B4-BE49-F238E27FC236}">
-                <a16:creationId xmlns:a16="http://schemas.microsoft.com/office/drawing/2014/main" id="{8ECF25D9-1C99-CA96-8835-8BDF45ADA8CF}"/>
+                <a16:creationId xmlns:a16="http://schemas.microsoft.com/office/drawing/2014/main" id="{52A8E77A-0107-A75A-A15B-B7B5BA0618D6}"/>
               </a:ext>
             </a:extLst>
           </p:cNvPr>
@@ -2196,7 +2196,7 @@
           <p:cNvPr id="3" name="内容占位符 2">
             <a:extLst>
               <a:ext uri="{FF2B5EF4-FFF2-40B4-BE49-F238E27FC236}">
-                <a16:creationId xmlns:a16="http://schemas.microsoft.com/office/drawing/2014/main" id="{EDCD7F75-C42D-65E7-670B-224AF5D2381A}"/>
+                <a16:creationId xmlns:a16="http://schemas.microsoft.com/office/drawing/2014/main" id="{F495BCE7-BE97-DEF3-93C9-DA5BB1E592C4}"/>
               </a:ext>
             </a:extLst>
           </p:cNvPr>
@@ -2286,7 +2286,7 @@
           <p:cNvPr id="4" name="文本占位符 3">
             <a:extLst>
               <a:ext uri="{FF2B5EF4-FFF2-40B4-BE49-F238E27FC236}">
-                <a16:creationId xmlns:a16="http://schemas.microsoft.com/office/drawing/2014/main" id="{3BD62545-234F-BF7B-0EA5-93BC5030BDC9}"/>
+                <a16:creationId xmlns:a16="http://schemas.microsoft.com/office/drawing/2014/main" id="{4BB2BEDB-BE23-1C76-8524-F255CF8EA8DF}"/>
               </a:ext>
             </a:extLst>
           </p:cNvPr>
@@ -2357,7 +2357,7 @@
           <p:cNvPr id="5" name="日期占位符 4">
             <a:extLst>
               <a:ext uri="{FF2B5EF4-FFF2-40B4-BE49-F238E27FC236}">
-                <a16:creationId xmlns:a16="http://schemas.microsoft.com/office/drawing/2014/main" id="{E9AAAA5B-2BC0-B814-B637-E2319AF1CA3B}"/>
+                <a16:creationId xmlns:a16="http://schemas.microsoft.com/office/drawing/2014/main" id="{F8952564-8B40-9096-D8A0-5425096FA75F}"/>
               </a:ext>
             </a:extLst>
           </p:cNvPr>
@@ -2373,7 +2373,7 @@
           <a:bodyPr/>
           <a:lstStyle/>
           <a:p>
-            <a:fld id="{C0ACE82F-C663-4DF9-AFED-28B9DBC2D6CA}" type="datetimeFigureOut">
+            <a:fld id="{28732171-CD75-4ED8-9A42-3844FC05DA24}" type="datetimeFigureOut">
               <a:rPr lang="zh-CN" altLang="en-US" smtClean="0"/>
               <a:t>2024/3/10</a:t>
             </a:fld>
@@ -2386,7 +2386,7 @@
           <p:cNvPr id="6" name="页脚占位符 5">
             <a:extLst>
               <a:ext uri="{FF2B5EF4-FFF2-40B4-BE49-F238E27FC236}">
-                <a16:creationId xmlns:a16="http://schemas.microsoft.com/office/drawing/2014/main" id="{3B72B772-42E3-8E43-B80E-A61A27912462}"/>
+                <a16:creationId xmlns:a16="http://schemas.microsoft.com/office/drawing/2014/main" id="{160090F6-7BEC-EFBB-9C82-F5529B6C5AB6}"/>
               </a:ext>
             </a:extLst>
           </p:cNvPr>
@@ -2411,7 +2411,7 @@
           <p:cNvPr id="7" name="灯片编号占位符 6">
             <a:extLst>
               <a:ext uri="{FF2B5EF4-FFF2-40B4-BE49-F238E27FC236}">
-                <a16:creationId xmlns:a16="http://schemas.microsoft.com/office/drawing/2014/main" id="{4FCE0817-F552-2DF9-77CE-8AC9BE94FDD9}"/>
+                <a16:creationId xmlns:a16="http://schemas.microsoft.com/office/drawing/2014/main" id="{F8865D02-E676-4342-E32D-7D6180D6DFB1}"/>
               </a:ext>
             </a:extLst>
           </p:cNvPr>
@@ -2427,7 +2427,7 @@
           <a:bodyPr/>
           <a:lstStyle/>
           <a:p>
-            <a:fld id="{145E3861-CD9E-455D-9AF8-C3CD62F7F819}" type="slidenum">
+            <a:fld id="{D530F58C-A1A2-4AE4-B6C6-BAA3B2C9D9A2}" type="slidenum">
               <a:rPr lang="zh-CN" altLang="en-US" smtClean="0"/>
               <a:t>‹#›</a:t>
             </a:fld>
@@ -2438,7 +2438,7 @@
     </p:spTree>
     <p:extLst>
       <p:ext uri="{BB962C8B-B14F-4D97-AF65-F5344CB8AC3E}">
-        <p14:creationId xmlns:p14="http://schemas.microsoft.com/office/powerpoint/2010/main" val="297826205"/>
+        <p14:creationId xmlns:p14="http://schemas.microsoft.com/office/powerpoint/2010/main" val="3782166300"/>
       </p:ext>
     </p:extLst>
   </p:cSld>
@@ -2470,7 +2470,7 @@
           <p:cNvPr id="2" name="标题 1">
             <a:extLst>
               <a:ext uri="{FF2B5EF4-FFF2-40B4-BE49-F238E27FC236}">
-                <a16:creationId xmlns:a16="http://schemas.microsoft.com/office/drawing/2014/main" id="{10521BBF-71D7-AF31-F5A1-416CF87860C6}"/>
+                <a16:creationId xmlns:a16="http://schemas.microsoft.com/office/drawing/2014/main" id="{112FF13A-4861-C472-C26D-A8FCB4851811}"/>
               </a:ext>
             </a:extLst>
           </p:cNvPr>
@@ -2507,7 +2507,7 @@
           <p:cNvPr id="3" name="图片占位符 2">
             <a:extLst>
               <a:ext uri="{FF2B5EF4-FFF2-40B4-BE49-F238E27FC236}">
-                <a16:creationId xmlns:a16="http://schemas.microsoft.com/office/drawing/2014/main" id="{4B94A233-AFD2-FAB4-9815-E81C5FCB54E3}"/>
+                <a16:creationId xmlns:a16="http://schemas.microsoft.com/office/drawing/2014/main" id="{9FD721E9-F0EF-C5A8-B4A9-36395466AAF6}"/>
               </a:ext>
             </a:extLst>
           </p:cNvPr>
@@ -2574,7 +2574,7 @@
           <p:cNvPr id="4" name="文本占位符 3">
             <a:extLst>
               <a:ext uri="{FF2B5EF4-FFF2-40B4-BE49-F238E27FC236}">
-                <a16:creationId xmlns:a16="http://schemas.microsoft.com/office/drawing/2014/main" id="{417264B6-BB62-9739-E0A6-03FE31D5753D}"/>
+                <a16:creationId xmlns:a16="http://schemas.microsoft.com/office/drawing/2014/main" id="{18F11B7A-E182-CB3E-E09A-AC082C9AC673}"/>
               </a:ext>
             </a:extLst>
           </p:cNvPr>
@@ -2645,7 +2645,7 @@
           <p:cNvPr id="5" name="日期占位符 4">
             <a:extLst>
               <a:ext uri="{FF2B5EF4-FFF2-40B4-BE49-F238E27FC236}">
-                <a16:creationId xmlns:a16="http://schemas.microsoft.com/office/drawing/2014/main" id="{230F1523-3116-6E07-8FDD-E9F0C7DC8C64}"/>
+                <a16:creationId xmlns:a16="http://schemas.microsoft.com/office/drawing/2014/main" id="{54E8CB1A-BDA5-6AC2-6641-83BAD147AF7A}"/>
               </a:ext>
             </a:extLst>
           </p:cNvPr>
@@ -2661,7 +2661,7 @@
           <a:bodyPr/>
           <a:lstStyle/>
           <a:p>
-            <a:fld id="{C0ACE82F-C663-4DF9-AFED-28B9DBC2D6CA}" type="datetimeFigureOut">
+            <a:fld id="{28732171-CD75-4ED8-9A42-3844FC05DA24}" type="datetimeFigureOut">
               <a:rPr lang="zh-CN" altLang="en-US" smtClean="0"/>
               <a:t>2024/3/10</a:t>
             </a:fld>
@@ -2674,7 +2674,7 @@
           <p:cNvPr id="6" name="页脚占位符 5">
             <a:extLst>
               <a:ext uri="{FF2B5EF4-FFF2-40B4-BE49-F238E27FC236}">
-                <a16:creationId xmlns:a16="http://schemas.microsoft.com/office/drawing/2014/main" id="{4D0CBCC5-1C41-4B86-BEC4-DAEB9F8E5C02}"/>
+                <a16:creationId xmlns:a16="http://schemas.microsoft.com/office/drawing/2014/main" id="{4CC6F881-D790-0BD3-3313-A96CAE5C0363}"/>
               </a:ext>
             </a:extLst>
           </p:cNvPr>
@@ -2699,7 +2699,7 @@
           <p:cNvPr id="7" name="灯片编号占位符 6">
             <a:extLst>
               <a:ext uri="{FF2B5EF4-FFF2-40B4-BE49-F238E27FC236}">
-                <a16:creationId xmlns:a16="http://schemas.microsoft.com/office/drawing/2014/main" id="{11EC0092-5B79-3CC2-F50F-6FCD48AC99FD}"/>
+                <a16:creationId xmlns:a16="http://schemas.microsoft.com/office/drawing/2014/main" id="{9429F710-54F8-580A-90F0-BA57E969A4CF}"/>
               </a:ext>
             </a:extLst>
           </p:cNvPr>
@@ -2715,7 +2715,7 @@
           <a:bodyPr/>
           <a:lstStyle/>
           <a:p>
-            <a:fld id="{145E3861-CD9E-455D-9AF8-C3CD62F7F819}" type="slidenum">
+            <a:fld id="{D530F58C-A1A2-4AE4-B6C6-BAA3B2C9D9A2}" type="slidenum">
               <a:rPr lang="zh-CN" altLang="en-US" smtClean="0"/>
               <a:t>‹#›</a:t>
             </a:fld>
@@ -2726,7 +2726,7 @@
     </p:spTree>
     <p:extLst>
       <p:ext uri="{BB962C8B-B14F-4D97-AF65-F5344CB8AC3E}">
-        <p14:creationId xmlns:p14="http://schemas.microsoft.com/office/powerpoint/2010/main" val="4248651065"/>
+        <p14:creationId xmlns:p14="http://schemas.microsoft.com/office/powerpoint/2010/main" val="712609116"/>
       </p:ext>
     </p:extLst>
   </p:cSld>
@@ -2763,7 +2763,7 @@
           <p:cNvPr id="2" name="标题占位符 1">
             <a:extLst>
               <a:ext uri="{FF2B5EF4-FFF2-40B4-BE49-F238E27FC236}">
-                <a16:creationId xmlns:a16="http://schemas.microsoft.com/office/drawing/2014/main" id="{14BC2D6F-FDF2-01C0-7C60-15B74ABB97D6}"/>
+                <a16:creationId xmlns:a16="http://schemas.microsoft.com/office/drawing/2014/main" id="{3E865F1C-E7C8-3ABA-4A5E-C632FD66B523}"/>
               </a:ext>
             </a:extLst>
           </p:cNvPr>
@@ -2801,7 +2801,7 @@
           <p:cNvPr id="3" name="文本占位符 2">
             <a:extLst>
               <a:ext uri="{FF2B5EF4-FFF2-40B4-BE49-F238E27FC236}">
-                <a16:creationId xmlns:a16="http://schemas.microsoft.com/office/drawing/2014/main" id="{52A86A9B-F890-5608-D598-8D1E17B4C9A9}"/>
+                <a16:creationId xmlns:a16="http://schemas.microsoft.com/office/drawing/2014/main" id="{375E4BAA-79DF-09E5-A993-405D36231284}"/>
               </a:ext>
             </a:extLst>
           </p:cNvPr>
@@ -2868,7 +2868,7 @@
           <p:cNvPr id="4" name="日期占位符 3">
             <a:extLst>
               <a:ext uri="{FF2B5EF4-FFF2-40B4-BE49-F238E27FC236}">
-                <a16:creationId xmlns:a16="http://schemas.microsoft.com/office/drawing/2014/main" id="{0355508A-2E8B-049D-610A-759F59CC8E2A}"/>
+                <a16:creationId xmlns:a16="http://schemas.microsoft.com/office/drawing/2014/main" id="{01FEF592-84F1-D33B-EA52-9C722A9D301E}"/>
               </a:ext>
             </a:extLst>
           </p:cNvPr>
@@ -2902,7 +2902,7 @@
             </a:lvl1pPr>
           </a:lstStyle>
           <a:p>
-            <a:fld id="{C0ACE82F-C663-4DF9-AFED-28B9DBC2D6CA}" type="datetimeFigureOut">
+            <a:fld id="{28732171-CD75-4ED8-9A42-3844FC05DA24}" type="datetimeFigureOut">
               <a:rPr lang="zh-CN" altLang="en-US" smtClean="0"/>
               <a:t>2024/3/10</a:t>
             </a:fld>
@@ -2915,7 +2915,7 @@
           <p:cNvPr id="5" name="页脚占位符 4">
             <a:extLst>
               <a:ext uri="{FF2B5EF4-FFF2-40B4-BE49-F238E27FC236}">
-                <a16:creationId xmlns:a16="http://schemas.microsoft.com/office/drawing/2014/main" id="{7F38BD58-A372-F3D7-340E-98DAED502208}"/>
+                <a16:creationId xmlns:a16="http://schemas.microsoft.com/office/drawing/2014/main" id="{08190E30-B573-71F2-E2B1-1B4450557E1A}"/>
               </a:ext>
             </a:extLst>
           </p:cNvPr>
@@ -2958,7 +2958,7 @@
           <p:cNvPr id="6" name="灯片编号占位符 5">
             <a:extLst>
               <a:ext uri="{FF2B5EF4-FFF2-40B4-BE49-F238E27FC236}">
-                <a16:creationId xmlns:a16="http://schemas.microsoft.com/office/drawing/2014/main" id="{1C762D3E-5F73-C9EA-B8BC-246468B2ECB3}"/>
+                <a16:creationId xmlns:a16="http://schemas.microsoft.com/office/drawing/2014/main" id="{A1F7933B-2143-4471-897B-CAB4F37B6D9B}"/>
               </a:ext>
             </a:extLst>
           </p:cNvPr>
@@ -2992,7 +2992,7 @@
             </a:lvl1pPr>
           </a:lstStyle>
           <a:p>
-            <a:fld id="{145E3861-CD9E-455D-9AF8-C3CD62F7F819}" type="slidenum">
+            <a:fld id="{D530F58C-A1A2-4AE4-B6C6-BAA3B2C9D9A2}" type="slidenum">
               <a:rPr lang="zh-CN" altLang="en-US" smtClean="0"/>
               <a:t>‹#›</a:t>
             </a:fld>
@@ -3003,7 +3003,7 @@
     </p:spTree>
     <p:extLst>
       <p:ext uri="{BB962C8B-B14F-4D97-AF65-F5344CB8AC3E}">
-        <p14:creationId xmlns:p14="http://schemas.microsoft.com/office/powerpoint/2010/main" val="203480521"/>
+        <p14:creationId xmlns:p14="http://schemas.microsoft.com/office/powerpoint/2010/main" val="3845713184"/>
       </p:ext>
     </p:extLst>
   </p:cSld>
